--- a/10_deployment/deployment.pptx
+++ b/10_deployment/deployment.pptx
@@ -5,13 +5,18 @@
     <p:sldMasterId id="2147483648" r:id="rId1"/>
   </p:sldMasterIdLst>
   <p:notesMasterIdLst>
-    <p:notesMasterId r:id="rId3"/>
+    <p:notesMasterId r:id="rId8"/>
   </p:notesMasterIdLst>
   <p:handoutMasterIdLst>
-    <p:handoutMasterId r:id="rId4"/>
+    <p:handoutMasterId r:id="rId9"/>
   </p:handoutMasterIdLst>
   <p:sldIdLst>
     <p:sldId id="256" r:id="rId2"/>
+    <p:sldId id="259" r:id="rId3"/>
+    <p:sldId id="258" r:id="rId4"/>
+    <p:sldId id="262" r:id="rId5"/>
+    <p:sldId id="260" r:id="rId6"/>
+    <p:sldId id="261" r:id="rId7"/>
   </p:sldIdLst>
   <p:sldSz cx="12192000" cy="6858000"/>
   <p:notesSz cx="6858000" cy="9144000"/>
@@ -4117,6 +4122,1197 @@
     <p:extLst>
       <p:ext uri="{BB962C8B-B14F-4D97-AF65-F5344CB8AC3E}">
         <p14:creationId xmlns:p14="http://schemas.microsoft.com/office/powerpoint/2010/main" val="3252465941"/>
+      </p:ext>
+    </p:extLst>
+  </p:cSld>
+  <p:clrMapOvr>
+    <a:masterClrMapping/>
+  </p:clrMapOvr>
+</p:sld>
+</file>
+
+<file path=ppt/slides/slide2.xml><?xml version="1.0" encoding="utf-8"?>
+<p:sld xmlns:a="http://schemas.openxmlformats.org/drawingml/2006/main" xmlns:r="http://schemas.openxmlformats.org/officeDocument/2006/relationships" xmlns:p="http://schemas.openxmlformats.org/presentationml/2006/main">
+  <p:cSld>
+    <p:spTree>
+      <p:nvGrpSpPr>
+        <p:cNvPr id="1" name=""/>
+        <p:cNvGrpSpPr/>
+        <p:nvPr/>
+      </p:nvGrpSpPr>
+      <p:grpSpPr>
+        <a:xfrm>
+          <a:off x="0" y="0"/>
+          <a:ext cx="0" cy="0"/>
+          <a:chOff x="0" y="0"/>
+          <a:chExt cx="0" cy="0"/>
+        </a:xfrm>
+      </p:grpSpPr>
+      <p:sp>
+        <p:nvSpPr>
+          <p:cNvPr id="2" name="Title 1">
+            <a:extLst>
+              <a:ext uri="{FF2B5EF4-FFF2-40B4-BE49-F238E27FC236}">
+                <a16:creationId xmlns:a16="http://schemas.microsoft.com/office/drawing/2014/main" id="{DA3D4A8B-5EF6-445D-98F9-FD8C56C4466D}"/>
+              </a:ext>
+            </a:extLst>
+          </p:cNvPr>
+          <p:cNvSpPr>
+            <a:spLocks noGrp="1"/>
+          </p:cNvSpPr>
+          <p:nvPr>
+            <p:ph type="title"/>
+          </p:nvPr>
+        </p:nvSpPr>
+        <p:spPr/>
+        <p:txBody>
+          <a:bodyPr/>
+          <a:lstStyle/>
+          <a:p>
+            <a:r>
+              <a:rPr lang="da-DK" dirty="0"/>
+              <a:t>Freeing the model</a:t>
+            </a:r>
+          </a:p>
+        </p:txBody>
+      </p:sp>
+      <p:sp>
+        <p:nvSpPr>
+          <p:cNvPr id="3" name="Content Placeholder 2">
+            <a:extLst>
+              <a:ext uri="{FF2B5EF4-FFF2-40B4-BE49-F238E27FC236}">
+                <a16:creationId xmlns:a16="http://schemas.microsoft.com/office/drawing/2014/main" id="{2D14F1FF-A913-447A-8471-351489104D5B}"/>
+              </a:ext>
+            </a:extLst>
+          </p:cNvPr>
+          <p:cNvSpPr>
+            <a:spLocks noGrp="1"/>
+          </p:cNvSpPr>
+          <p:nvPr>
+            <p:ph idx="1"/>
+          </p:nvPr>
+        </p:nvSpPr>
+        <p:spPr/>
+        <p:txBody>
+          <a:bodyPr/>
+          <a:lstStyle/>
+          <a:p>
+            <a:r>
+              <a:rPr lang="da-DK" dirty="0"/>
+              <a:t>Model deployment is part of the operations in MLOps</a:t>
+            </a:r>
+          </a:p>
+          <a:p>
+            <a:r>
+              <a:rPr lang="da-DK" dirty="0"/>
+              <a:t>In a nutshell: make the model available to others</a:t>
+            </a:r>
+          </a:p>
+        </p:txBody>
+      </p:sp>
+      <p:sp>
+        <p:nvSpPr>
+          <p:cNvPr id="4" name="Date Placeholder 3">
+            <a:extLst>
+              <a:ext uri="{FF2B5EF4-FFF2-40B4-BE49-F238E27FC236}">
+                <a16:creationId xmlns:a16="http://schemas.microsoft.com/office/drawing/2014/main" id="{8C6D4434-44AA-46D6-B810-739FBAD46767}"/>
+              </a:ext>
+            </a:extLst>
+          </p:cNvPr>
+          <p:cNvSpPr>
+            <a:spLocks noGrp="1"/>
+          </p:cNvSpPr>
+          <p:nvPr>
+            <p:ph type="dt" sz="half" idx="10"/>
+          </p:nvPr>
+        </p:nvSpPr>
+        <p:spPr/>
+        <p:txBody>
+          <a:bodyPr/>
+          <a:lstStyle/>
+          <a:p>
+            <a:fld id="{019E29B9-5584-4737-9C98-1B926378C778}" type="datetime1">
+              <a:rPr lang="en-US" smtClean="0"/>
+              <a:t>5/12/2021</a:t>
+            </a:fld>
+            <a:endParaRPr lang="da-DK"/>
+          </a:p>
+        </p:txBody>
+      </p:sp>
+      <p:sp>
+        <p:nvSpPr>
+          <p:cNvPr id="5" name="Footer Placeholder 4">
+            <a:extLst>
+              <a:ext uri="{FF2B5EF4-FFF2-40B4-BE49-F238E27FC236}">
+                <a16:creationId xmlns:a16="http://schemas.microsoft.com/office/drawing/2014/main" id="{40D8175F-6178-4BA6-9E13-C8E9DB24570F}"/>
+              </a:ext>
+            </a:extLst>
+          </p:cNvPr>
+          <p:cNvSpPr>
+            <a:spLocks noGrp="1"/>
+          </p:cNvSpPr>
+          <p:nvPr>
+            <p:ph type="ftr" sz="quarter" idx="11"/>
+          </p:nvPr>
+        </p:nvSpPr>
+        <p:spPr/>
+        <p:txBody>
+          <a:bodyPr/>
+          <a:lstStyle/>
+          <a:p>
+            <a:r>
+              <a:rPr lang="da-DK"/>
+              <a:t>Nicki Skafte Detlefsen</a:t>
+            </a:r>
+          </a:p>
+        </p:txBody>
+      </p:sp>
+      <p:sp>
+        <p:nvSpPr>
+          <p:cNvPr id="6" name="Slide Number Placeholder 5">
+            <a:extLst>
+              <a:ext uri="{FF2B5EF4-FFF2-40B4-BE49-F238E27FC236}">
+                <a16:creationId xmlns:a16="http://schemas.microsoft.com/office/drawing/2014/main" id="{7E7AAEF5-DB84-444F-8FA4-DC08BCE81866}"/>
+              </a:ext>
+            </a:extLst>
+          </p:cNvPr>
+          <p:cNvSpPr>
+            <a:spLocks noGrp="1"/>
+          </p:cNvSpPr>
+          <p:nvPr>
+            <p:ph type="sldNum" sz="quarter" idx="12"/>
+          </p:nvPr>
+        </p:nvSpPr>
+        <p:spPr/>
+        <p:txBody>
+          <a:bodyPr/>
+          <a:lstStyle/>
+          <a:p>
+            <a:fld id="{F6FEDE24-D50C-481B-A7B4-8AF13899101A}" type="slidenum">
+              <a:rPr lang="da-DK" smtClean="0"/>
+              <a:t>2</a:t>
+            </a:fld>
+            <a:endParaRPr lang="da-DK"/>
+          </a:p>
+        </p:txBody>
+      </p:sp>
+      <p:pic>
+        <p:nvPicPr>
+          <p:cNvPr id="8" name="Picture 7">
+            <a:extLst>
+              <a:ext uri="{FF2B5EF4-FFF2-40B4-BE49-F238E27FC236}">
+                <a16:creationId xmlns:a16="http://schemas.microsoft.com/office/drawing/2014/main" id="{377DC0E1-536C-4828-B0E7-738B03D68E8F}"/>
+              </a:ext>
+            </a:extLst>
+          </p:cNvPr>
+          <p:cNvPicPr>
+            <a:picLocks noChangeAspect="1"/>
+          </p:cNvPicPr>
+          <p:nvPr/>
+        </p:nvPicPr>
+        <p:blipFill>
+          <a:blip r:embed="rId2">
+            <a:extLst>
+              <a:ext uri="{28A0092B-C50C-407E-A947-70E740481C1C}">
+                <a14:useLocalDpi xmlns:a14="http://schemas.microsoft.com/office/drawing/2010/main" val="0"/>
+              </a:ext>
+            </a:extLst>
+          </a:blip>
+          <a:stretch>
+            <a:fillRect/>
+          </a:stretch>
+        </p:blipFill>
+        <p:spPr>
+          <a:xfrm>
+            <a:off x="2969568" y="2290987"/>
+            <a:ext cx="5183832" cy="3885976"/>
+          </a:xfrm>
+          <a:prstGeom prst="rect">
+            <a:avLst/>
+          </a:prstGeom>
+        </p:spPr>
+      </p:pic>
+      <p:sp>
+        <p:nvSpPr>
+          <p:cNvPr id="9" name="Rectangle 8">
+            <a:extLst>
+              <a:ext uri="{FF2B5EF4-FFF2-40B4-BE49-F238E27FC236}">
+                <a16:creationId xmlns:a16="http://schemas.microsoft.com/office/drawing/2014/main" id="{C8376666-02AA-4304-B09C-01E687D34B51}"/>
+              </a:ext>
+            </a:extLst>
+          </p:cNvPr>
+          <p:cNvSpPr/>
+          <p:nvPr/>
+        </p:nvSpPr>
+        <p:spPr>
+          <a:xfrm>
+            <a:off x="6419461" y="4721290"/>
+            <a:ext cx="1800808" cy="447869"/>
+          </a:xfrm>
+          <a:prstGeom prst="rect">
+            <a:avLst/>
+          </a:prstGeom>
+          <a:noFill/>
+          <a:ln w="38100">
+            <a:solidFill>
+              <a:srgbClr val="FF0000"/>
+            </a:solidFill>
+          </a:ln>
+        </p:spPr>
+        <p:style>
+          <a:lnRef idx="2">
+            <a:schemeClr val="accent1">
+              <a:shade val="50000"/>
+            </a:schemeClr>
+          </a:lnRef>
+          <a:fillRef idx="1">
+            <a:schemeClr val="accent1"/>
+          </a:fillRef>
+          <a:effectRef idx="0">
+            <a:schemeClr val="accent1"/>
+          </a:effectRef>
+          <a:fontRef idx="minor">
+            <a:schemeClr val="lt1"/>
+          </a:fontRef>
+        </p:style>
+        <p:txBody>
+          <a:bodyPr rtlCol="0" anchor="ctr"/>
+          <a:lstStyle/>
+          <a:p>
+            <a:pPr algn="ctr"/>
+            <a:endParaRPr lang="da-DK"/>
+          </a:p>
+        </p:txBody>
+      </p:sp>
+    </p:spTree>
+    <p:extLst>
+      <p:ext uri="{BB962C8B-B14F-4D97-AF65-F5344CB8AC3E}">
+        <p14:creationId xmlns:p14="http://schemas.microsoft.com/office/powerpoint/2010/main" val="1113638487"/>
+      </p:ext>
+    </p:extLst>
+  </p:cSld>
+  <p:clrMapOvr>
+    <a:masterClrMapping/>
+  </p:clrMapOvr>
+</p:sld>
+</file>
+
+<file path=ppt/slides/slide3.xml><?xml version="1.0" encoding="utf-8"?>
+<p:sld xmlns:a="http://schemas.openxmlformats.org/drawingml/2006/main" xmlns:r="http://schemas.openxmlformats.org/officeDocument/2006/relationships" xmlns:p="http://schemas.openxmlformats.org/presentationml/2006/main">
+  <p:cSld>
+    <p:spTree>
+      <p:nvGrpSpPr>
+        <p:cNvPr id="1" name=""/>
+        <p:cNvGrpSpPr/>
+        <p:nvPr/>
+      </p:nvGrpSpPr>
+      <p:grpSpPr>
+        <a:xfrm>
+          <a:off x="0" y="0"/>
+          <a:ext cx="0" cy="0"/>
+          <a:chOff x="0" y="0"/>
+          <a:chExt cx="0" cy="0"/>
+        </a:xfrm>
+      </p:grpSpPr>
+      <p:sp>
+        <p:nvSpPr>
+          <p:cNvPr id="2" name="Title 1">
+            <a:extLst>
+              <a:ext uri="{FF2B5EF4-FFF2-40B4-BE49-F238E27FC236}">
+                <a16:creationId xmlns:a16="http://schemas.microsoft.com/office/drawing/2014/main" id="{4DCF2DE3-B6F8-49AD-8431-57D7B1006622}"/>
+              </a:ext>
+            </a:extLst>
+          </p:cNvPr>
+          <p:cNvSpPr>
+            <a:spLocks noGrp="1"/>
+          </p:cNvSpPr>
+          <p:nvPr>
+            <p:ph type="title"/>
+          </p:nvPr>
+        </p:nvSpPr>
+        <p:spPr/>
+        <p:txBody>
+          <a:bodyPr/>
+          <a:lstStyle/>
+          <a:p>
+            <a:r>
+              <a:rPr lang="da-DK" dirty="0"/>
+              <a:t>Remember this?</a:t>
+            </a:r>
+          </a:p>
+        </p:txBody>
+      </p:sp>
+      <p:pic>
+        <p:nvPicPr>
+          <p:cNvPr id="8" name="Content Placeholder 7" descr="Diagram&#10;&#10;Description automatically generated">
+            <a:extLst>
+              <a:ext uri="{FF2B5EF4-FFF2-40B4-BE49-F238E27FC236}">
+                <a16:creationId xmlns:a16="http://schemas.microsoft.com/office/drawing/2014/main" id="{604E02EA-F205-47B5-9BBC-0209F91E17CE}"/>
+              </a:ext>
+            </a:extLst>
+          </p:cNvPr>
+          <p:cNvPicPr>
+            <a:picLocks noGrp="1" noChangeAspect="1"/>
+          </p:cNvPicPr>
+          <p:nvPr>
+            <p:ph idx="1"/>
+          </p:nvPr>
+        </p:nvPicPr>
+        <p:blipFill>
+          <a:blip r:embed="rId2">
+            <a:extLst>
+              <a:ext uri="{28A0092B-C50C-407E-A947-70E740481C1C}">
+                <a14:useLocalDpi xmlns:a14="http://schemas.microsoft.com/office/drawing/2010/main" val="0"/>
+              </a:ext>
+            </a:extLst>
+          </a:blip>
+          <a:stretch>
+            <a:fillRect/>
+          </a:stretch>
+        </p:blipFill>
+        <p:spPr>
+          <a:xfrm>
+            <a:off x="972595" y="2042944"/>
+            <a:ext cx="10515600" cy="2925452"/>
+          </a:xfrm>
+        </p:spPr>
+      </p:pic>
+      <p:sp>
+        <p:nvSpPr>
+          <p:cNvPr id="4" name="Date Placeholder 3">
+            <a:extLst>
+              <a:ext uri="{FF2B5EF4-FFF2-40B4-BE49-F238E27FC236}">
+                <a16:creationId xmlns:a16="http://schemas.microsoft.com/office/drawing/2014/main" id="{F080C129-C2A0-48A1-97D2-38C68AD16DE5}"/>
+              </a:ext>
+            </a:extLst>
+          </p:cNvPr>
+          <p:cNvSpPr>
+            <a:spLocks noGrp="1"/>
+          </p:cNvSpPr>
+          <p:nvPr>
+            <p:ph type="dt" sz="half" idx="10"/>
+          </p:nvPr>
+        </p:nvSpPr>
+        <p:spPr/>
+        <p:txBody>
+          <a:bodyPr/>
+          <a:lstStyle/>
+          <a:p>
+            <a:fld id="{019E29B9-5584-4737-9C98-1B926378C778}" type="datetime1">
+              <a:rPr lang="en-US" smtClean="0"/>
+              <a:t>5/12/2021</a:t>
+            </a:fld>
+            <a:endParaRPr lang="da-DK"/>
+          </a:p>
+        </p:txBody>
+      </p:sp>
+      <p:sp>
+        <p:nvSpPr>
+          <p:cNvPr id="5" name="Footer Placeholder 4">
+            <a:extLst>
+              <a:ext uri="{FF2B5EF4-FFF2-40B4-BE49-F238E27FC236}">
+                <a16:creationId xmlns:a16="http://schemas.microsoft.com/office/drawing/2014/main" id="{23EB9D47-74CB-42A4-B356-245B1E5A1BF0}"/>
+              </a:ext>
+            </a:extLst>
+          </p:cNvPr>
+          <p:cNvSpPr>
+            <a:spLocks noGrp="1"/>
+          </p:cNvSpPr>
+          <p:nvPr>
+            <p:ph type="ftr" sz="quarter" idx="11"/>
+          </p:nvPr>
+        </p:nvSpPr>
+        <p:spPr/>
+        <p:txBody>
+          <a:bodyPr/>
+          <a:lstStyle/>
+          <a:p>
+            <a:r>
+              <a:rPr lang="da-DK"/>
+              <a:t>Nicki Skafte Detlefsen</a:t>
+            </a:r>
+          </a:p>
+        </p:txBody>
+      </p:sp>
+      <p:sp>
+        <p:nvSpPr>
+          <p:cNvPr id="6" name="Slide Number Placeholder 5">
+            <a:extLst>
+              <a:ext uri="{FF2B5EF4-FFF2-40B4-BE49-F238E27FC236}">
+                <a16:creationId xmlns:a16="http://schemas.microsoft.com/office/drawing/2014/main" id="{87D0BC5B-928B-4CD8-AA23-3E008C7ECC0E}"/>
+              </a:ext>
+            </a:extLst>
+          </p:cNvPr>
+          <p:cNvSpPr>
+            <a:spLocks noGrp="1"/>
+          </p:cNvSpPr>
+          <p:nvPr>
+            <p:ph type="sldNum" sz="quarter" idx="12"/>
+          </p:nvPr>
+        </p:nvSpPr>
+        <p:spPr/>
+        <p:txBody>
+          <a:bodyPr/>
+          <a:lstStyle/>
+          <a:p>
+            <a:fld id="{F6FEDE24-D50C-481B-A7B4-8AF13899101A}" type="slidenum">
+              <a:rPr lang="da-DK" smtClean="0"/>
+              <a:t>3</a:t>
+            </a:fld>
+            <a:endParaRPr lang="da-DK"/>
+          </a:p>
+        </p:txBody>
+      </p:sp>
+      <p:cxnSp>
+        <p:nvCxnSpPr>
+          <p:cNvPr id="10" name="Straight Arrow Connector 9">
+            <a:extLst>
+              <a:ext uri="{FF2B5EF4-FFF2-40B4-BE49-F238E27FC236}">
+                <a16:creationId xmlns:a16="http://schemas.microsoft.com/office/drawing/2014/main" id="{850D8FC2-104A-4D14-BC57-E47A34FDD147}"/>
+              </a:ext>
+            </a:extLst>
+          </p:cNvPr>
+          <p:cNvCxnSpPr/>
+          <p:nvPr/>
+        </p:nvCxnSpPr>
+        <p:spPr>
+          <a:xfrm flipH="1" flipV="1">
+            <a:off x="8741328" y="4781725"/>
+            <a:ext cx="469784" cy="528506"/>
+          </a:xfrm>
+          <a:prstGeom prst="straightConnector1">
+            <a:avLst/>
+          </a:prstGeom>
+          <a:ln w="38100">
+            <a:solidFill>
+              <a:srgbClr val="FF0000"/>
+            </a:solidFill>
+            <a:tailEnd type="triangle"/>
+          </a:ln>
+        </p:spPr>
+        <p:style>
+          <a:lnRef idx="1">
+            <a:schemeClr val="accent1"/>
+          </a:lnRef>
+          <a:fillRef idx="0">
+            <a:schemeClr val="accent1"/>
+          </a:fillRef>
+          <a:effectRef idx="0">
+            <a:schemeClr val="accent1"/>
+          </a:effectRef>
+          <a:fontRef idx="minor">
+            <a:schemeClr val="tx1"/>
+          </a:fontRef>
+        </p:style>
+      </p:cxnSp>
+      <p:sp>
+        <p:nvSpPr>
+          <p:cNvPr id="11" name="TextBox 10">
+            <a:extLst>
+              <a:ext uri="{FF2B5EF4-FFF2-40B4-BE49-F238E27FC236}">
+                <a16:creationId xmlns:a16="http://schemas.microsoft.com/office/drawing/2014/main" id="{C52C44C7-A1C9-4079-8B10-AEDDB0ECF0C7}"/>
+              </a:ext>
+            </a:extLst>
+          </p:cNvPr>
+          <p:cNvSpPr txBox="1"/>
+          <p:nvPr/>
+        </p:nvSpPr>
+        <p:spPr>
+          <a:xfrm>
+            <a:off x="8875552" y="5318620"/>
+            <a:ext cx="2290195" cy="369332"/>
+          </a:xfrm>
+          <a:prstGeom prst="rect">
+            <a:avLst/>
+          </a:prstGeom>
+          <a:noFill/>
+          <a:ln w="38100">
+            <a:solidFill>
+              <a:srgbClr val="FF0000"/>
+            </a:solidFill>
+          </a:ln>
+        </p:spPr>
+        <p:txBody>
+          <a:bodyPr wrap="square" rtlCol="0">
+            <a:spAutoFit/>
+          </a:bodyPr>
+          <a:lstStyle/>
+          <a:p>
+            <a:r>
+              <a:rPr lang="da-DK" dirty="0"/>
+              <a:t>This is big for a reason</a:t>
+            </a:r>
+          </a:p>
+        </p:txBody>
+      </p:sp>
+    </p:spTree>
+    <p:extLst>
+      <p:ext uri="{BB962C8B-B14F-4D97-AF65-F5344CB8AC3E}">
+        <p14:creationId xmlns:p14="http://schemas.microsoft.com/office/powerpoint/2010/main" val="54122056"/>
+      </p:ext>
+    </p:extLst>
+  </p:cSld>
+  <p:clrMapOvr>
+    <a:masterClrMapping/>
+  </p:clrMapOvr>
+</p:sld>
+</file>
+
+<file path=ppt/slides/slide4.xml><?xml version="1.0" encoding="utf-8"?>
+<p:sld xmlns:a="http://schemas.openxmlformats.org/drawingml/2006/main" xmlns:r="http://schemas.openxmlformats.org/officeDocument/2006/relationships" xmlns:p="http://schemas.openxmlformats.org/presentationml/2006/main">
+  <p:cSld>
+    <p:spTree>
+      <p:nvGrpSpPr>
+        <p:cNvPr id="1" name=""/>
+        <p:cNvGrpSpPr/>
+        <p:nvPr/>
+      </p:nvGrpSpPr>
+      <p:grpSpPr>
+        <a:xfrm>
+          <a:off x="0" y="0"/>
+          <a:ext cx="0" cy="0"/>
+          <a:chOff x="0" y="0"/>
+          <a:chExt cx="0" cy="0"/>
+        </a:xfrm>
+      </p:grpSpPr>
+      <p:sp>
+        <p:nvSpPr>
+          <p:cNvPr id="2" name="Title 1">
+            <a:extLst>
+              <a:ext uri="{FF2B5EF4-FFF2-40B4-BE49-F238E27FC236}">
+                <a16:creationId xmlns:a16="http://schemas.microsoft.com/office/drawing/2014/main" id="{CEC937CA-6352-4976-A53C-B54224EA5068}"/>
+              </a:ext>
+            </a:extLst>
+          </p:cNvPr>
+          <p:cNvSpPr>
+            <a:spLocks noGrp="1"/>
+          </p:cNvSpPr>
+          <p:nvPr>
+            <p:ph type="title"/>
+          </p:nvPr>
+        </p:nvSpPr>
+        <p:spPr>
+          <a:xfrm>
+            <a:off x="838200" y="18255"/>
+            <a:ext cx="10515600" cy="1325563"/>
+          </a:xfrm>
+        </p:spPr>
+        <p:txBody>
+          <a:bodyPr/>
+          <a:lstStyle/>
+          <a:p>
+            <a:r>
+              <a:rPr lang="da-DK" dirty="0"/>
+              <a:t>Many levels of deployment </a:t>
+            </a:r>
+            <a:br>
+              <a:rPr lang="da-DK" dirty="0"/>
+            </a:br>
+            <a:r>
+              <a:rPr lang="da-DK" dirty="0"/>
+              <a:t>(within machine learning)</a:t>
+            </a:r>
+          </a:p>
+        </p:txBody>
+      </p:sp>
+      <mc:AlternateContent xmlns:mc="http://schemas.openxmlformats.org/markup-compatibility/2006">
+        <mc:Choice xmlns:a14="http://schemas.microsoft.com/office/drawing/2010/main" Requires="a14">
+          <p:sp>
+            <p:nvSpPr>
+              <p:cNvPr id="3" name="Content Placeholder 2">
+                <a:extLst>
+                  <a:ext uri="{FF2B5EF4-FFF2-40B4-BE49-F238E27FC236}">
+                    <a16:creationId xmlns:a16="http://schemas.microsoft.com/office/drawing/2014/main" id="{E523649D-4D7B-40E8-9A13-A3409AA863AB}"/>
+                  </a:ext>
+                </a:extLst>
+              </p:cNvPr>
+              <p:cNvSpPr>
+                <a:spLocks noGrp="1"/>
+              </p:cNvSpPr>
+              <p:nvPr>
+                <p:ph idx="1"/>
+              </p:nvPr>
+            </p:nvSpPr>
+            <p:spPr/>
+            <p:txBody>
+              <a:bodyPr/>
+              <a:lstStyle/>
+              <a:p>
+                <a:pPr marL="514350" indent="-514350">
+                  <a:buFont typeface="+mj-lt"/>
+                  <a:buAutoNum type="arabicPeriod"/>
+                </a:pPr>
+                <a:r>
+                  <a:rPr lang="da-DK" dirty="0"/>
+                  <a:t>Github reposatory + link to model weights</a:t>
+                </a:r>
+              </a:p>
+              <a:p>
+                <a:pPr lvl="1"/>
+                <a:r>
+                  <a:rPr lang="da-DK" dirty="0"/>
+                  <a:t>Easy to ”deploy”</a:t>
+                </a:r>
+              </a:p>
+              <a:p>
+                <a:pPr lvl="1"/>
+                <a:r>
+                  <a:rPr lang="da-DK" dirty="0"/>
+                  <a:t>Pain in the *** to use</a:t>
+                </a:r>
+              </a:p>
+              <a:p>
+                <a:pPr marL="514350" indent="-514350">
+                  <a:buFont typeface="+mj-lt"/>
+                  <a:buAutoNum type="arabicPeriod"/>
+                </a:pPr>
+                <a:r>
+                  <a:rPr lang="da-DK" dirty="0"/>
+                  <a:t>Deploy on local computer/cluster</a:t>
+                </a:r>
+              </a:p>
+              <a:p>
+                <a:pPr lvl="1"/>
+                <a:r>
+                  <a:rPr lang="da-DK" dirty="0"/>
+                  <a:t>Fairly easy getting up and running, just requires people can access from outside</a:t>
+                </a:r>
+              </a:p>
+              <a:p>
+                <a:pPr lvl="1"/>
+                <a:r>
+                  <a:rPr lang="da-DK" dirty="0"/>
+                  <a:t>Can be fairly easy to use</a:t>
+                </a:r>
+              </a:p>
+              <a:p>
+                <a:pPr lvl="1"/>
+                <a:r>
+                  <a:rPr lang="da-DK" dirty="0"/>
+                  <a:t>Does not scale at all</a:t>
+                </a:r>
+              </a:p>
+              <a:p>
+                <a:pPr marL="514350" indent="-514350">
+                  <a:buFont typeface="+mj-lt"/>
+                  <a:buAutoNum type="arabicPeriod"/>
+                </a:pPr>
+                <a:r>
+                  <a:rPr lang="da-DK" dirty="0"/>
+                  <a:t>Deploy to cloud service</a:t>
+                </a:r>
+              </a:p>
+              <a:p>
+                <a:pPr lvl="1"/>
+                <a:r>
+                  <a:rPr lang="da-DK" dirty="0"/>
+                  <a:t>Can be a pain to setup</a:t>
+                </a:r>
+              </a:p>
+              <a:p>
+                <a:pPr lvl="1"/>
+                <a:r>
+                  <a:rPr lang="da-DK" dirty="0"/>
+                  <a:t>Easy to use and scales to </a:t>
+                </a:r>
+                <a14:m>
+                  <m:oMath xmlns:m="http://schemas.openxmlformats.org/officeDocument/2006/math">
+                    <m:r>
+                      <a:rPr lang="da-DK" b="0" i="1" smtClean="0">
+                        <a:latin typeface="Cambria Math" panose="02040503050406030204" pitchFamily="18" charset="0"/>
+                      </a:rPr>
+                      <m:t>∞</m:t>
+                    </m:r>
+                  </m:oMath>
+                </a14:m>
+                <a:r>
+                  <a:rPr lang="da-DK" dirty="0"/>
+                  <a:t> (and beyond!)</a:t>
+                </a:r>
+              </a:p>
+              <a:p>
+                <a:pPr lvl="1"/>
+                <a:endParaRPr lang="da-DK" dirty="0"/>
+              </a:p>
+              <a:p>
+                <a:pPr marL="971550" lvl="1" indent="-514350">
+                  <a:buFont typeface="+mj-lt"/>
+                  <a:buAutoNum type="arabicPeriod"/>
+                </a:pPr>
+                <a:endParaRPr lang="da-DK" dirty="0"/>
+              </a:p>
+              <a:p>
+                <a:pPr marL="971550" lvl="1" indent="-514350">
+                  <a:buFont typeface="+mj-lt"/>
+                  <a:buAutoNum type="arabicPeriod"/>
+                </a:pPr>
+                <a:endParaRPr lang="da-DK" dirty="0"/>
+              </a:p>
+            </p:txBody>
+          </p:sp>
+        </mc:Choice>
+        <mc:Fallback>
+          <p:sp>
+            <p:nvSpPr>
+              <p:cNvPr id="3" name="Content Placeholder 2">
+                <a:extLst>
+                  <a:ext uri="{FF2B5EF4-FFF2-40B4-BE49-F238E27FC236}">
+                    <a16:creationId xmlns:a16="http://schemas.microsoft.com/office/drawing/2014/main" id="{E523649D-4D7B-40E8-9A13-A3409AA863AB}"/>
+                  </a:ext>
+                </a:extLst>
+              </p:cNvPr>
+              <p:cNvSpPr>
+                <a:spLocks noGrp="1" noRot="1" noChangeAspect="1" noMove="1" noResize="1" noEditPoints="1" noAdjustHandles="1" noChangeArrowheads="1" noChangeShapeType="1" noTextEdit="1"/>
+              </p:cNvSpPr>
+              <p:nvPr>
+                <p:ph idx="1"/>
+              </p:nvPr>
+            </p:nvSpPr>
+            <p:spPr>
+              <a:blipFill>
+                <a:blip r:embed="rId2"/>
+                <a:stretch>
+                  <a:fillRect l="-1217" t="-2144"/>
+                </a:stretch>
+              </a:blipFill>
+            </p:spPr>
+            <p:txBody>
+              <a:bodyPr/>
+              <a:lstStyle/>
+              <a:p>
+                <a:r>
+                  <a:rPr lang="da-DK">
+                    <a:noFill/>
+                  </a:rPr>
+                  <a:t> </a:t>
+                </a:r>
+              </a:p>
+            </p:txBody>
+          </p:sp>
+        </mc:Fallback>
+      </mc:AlternateContent>
+      <p:sp>
+        <p:nvSpPr>
+          <p:cNvPr id="4" name="Date Placeholder 3">
+            <a:extLst>
+              <a:ext uri="{FF2B5EF4-FFF2-40B4-BE49-F238E27FC236}">
+                <a16:creationId xmlns:a16="http://schemas.microsoft.com/office/drawing/2014/main" id="{D97BD4F5-B7D7-4B91-9E8A-4AFD7B67A497}"/>
+              </a:ext>
+            </a:extLst>
+          </p:cNvPr>
+          <p:cNvSpPr>
+            <a:spLocks noGrp="1"/>
+          </p:cNvSpPr>
+          <p:nvPr>
+            <p:ph type="dt" sz="half" idx="10"/>
+          </p:nvPr>
+        </p:nvSpPr>
+        <p:spPr/>
+        <p:txBody>
+          <a:bodyPr/>
+          <a:lstStyle/>
+          <a:p>
+            <a:fld id="{019E29B9-5584-4737-9C98-1B926378C778}" type="datetime1">
+              <a:rPr lang="en-US" smtClean="0"/>
+              <a:t>5/12/2021</a:t>
+            </a:fld>
+            <a:endParaRPr lang="da-DK"/>
+          </a:p>
+        </p:txBody>
+      </p:sp>
+      <p:sp>
+        <p:nvSpPr>
+          <p:cNvPr id="5" name="Footer Placeholder 4">
+            <a:extLst>
+              <a:ext uri="{FF2B5EF4-FFF2-40B4-BE49-F238E27FC236}">
+                <a16:creationId xmlns:a16="http://schemas.microsoft.com/office/drawing/2014/main" id="{3F1726B3-91D5-4E64-ACCD-906BE0C90C7C}"/>
+              </a:ext>
+            </a:extLst>
+          </p:cNvPr>
+          <p:cNvSpPr>
+            <a:spLocks noGrp="1"/>
+          </p:cNvSpPr>
+          <p:nvPr>
+            <p:ph type="ftr" sz="quarter" idx="11"/>
+          </p:nvPr>
+        </p:nvSpPr>
+        <p:spPr/>
+        <p:txBody>
+          <a:bodyPr/>
+          <a:lstStyle/>
+          <a:p>
+            <a:r>
+              <a:rPr lang="da-DK"/>
+              <a:t>Nicki Skafte Detlefsen</a:t>
+            </a:r>
+          </a:p>
+        </p:txBody>
+      </p:sp>
+      <p:sp>
+        <p:nvSpPr>
+          <p:cNvPr id="6" name="Slide Number Placeholder 5">
+            <a:extLst>
+              <a:ext uri="{FF2B5EF4-FFF2-40B4-BE49-F238E27FC236}">
+                <a16:creationId xmlns:a16="http://schemas.microsoft.com/office/drawing/2014/main" id="{7E38BB80-B853-45D3-8219-1F0F1D4D348C}"/>
+              </a:ext>
+            </a:extLst>
+          </p:cNvPr>
+          <p:cNvSpPr>
+            <a:spLocks noGrp="1"/>
+          </p:cNvSpPr>
+          <p:nvPr>
+            <p:ph type="sldNum" sz="quarter" idx="12"/>
+          </p:nvPr>
+        </p:nvSpPr>
+        <p:spPr/>
+        <p:txBody>
+          <a:bodyPr/>
+          <a:lstStyle/>
+          <a:p>
+            <a:fld id="{F6FEDE24-D50C-481B-A7B4-8AF13899101A}" type="slidenum">
+              <a:rPr lang="da-DK" smtClean="0"/>
+              <a:t>4</a:t>
+            </a:fld>
+            <a:endParaRPr lang="da-DK"/>
+          </a:p>
+        </p:txBody>
+      </p:sp>
+    </p:spTree>
+    <p:extLst>
+      <p:ext uri="{BB962C8B-B14F-4D97-AF65-F5344CB8AC3E}">
+        <p14:creationId xmlns:p14="http://schemas.microsoft.com/office/powerpoint/2010/main" val="3759225380"/>
+      </p:ext>
+    </p:extLst>
+  </p:cSld>
+  <p:clrMapOvr>
+    <a:masterClrMapping/>
+  </p:clrMapOvr>
+</p:sld>
+</file>
+
+<file path=ppt/slides/slide5.xml><?xml version="1.0" encoding="utf-8"?>
+<p:sld xmlns:a="http://schemas.openxmlformats.org/drawingml/2006/main" xmlns:r="http://schemas.openxmlformats.org/officeDocument/2006/relationships" xmlns:p="http://schemas.openxmlformats.org/presentationml/2006/main">
+  <p:cSld>
+    <p:spTree>
+      <p:nvGrpSpPr>
+        <p:cNvPr id="1" name=""/>
+        <p:cNvGrpSpPr/>
+        <p:nvPr/>
+      </p:nvGrpSpPr>
+      <p:grpSpPr>
+        <a:xfrm>
+          <a:off x="0" y="0"/>
+          <a:ext cx="0" cy="0"/>
+          <a:chOff x="0" y="0"/>
+          <a:chExt cx="0" cy="0"/>
+        </a:xfrm>
+      </p:grpSpPr>
+      <p:sp>
+        <p:nvSpPr>
+          <p:cNvPr id="2" name="Title 1">
+            <a:extLst>
+              <a:ext uri="{FF2B5EF4-FFF2-40B4-BE49-F238E27FC236}">
+                <a16:creationId xmlns:a16="http://schemas.microsoft.com/office/drawing/2014/main" id="{241578B0-9C32-4CA7-8E60-B4BA269D2B0E}"/>
+              </a:ext>
+            </a:extLst>
+          </p:cNvPr>
+          <p:cNvSpPr>
+            <a:spLocks noGrp="1"/>
+          </p:cNvSpPr>
+          <p:nvPr>
+            <p:ph type="title"/>
+          </p:nvPr>
+        </p:nvSpPr>
+        <p:spPr/>
+        <p:txBody>
+          <a:bodyPr/>
+          <a:lstStyle/>
+          <a:p>
+            <a:endParaRPr lang="da-DK"/>
+          </a:p>
+        </p:txBody>
+      </p:sp>
+      <p:sp>
+        <p:nvSpPr>
+          <p:cNvPr id="3" name="Content Placeholder 2">
+            <a:extLst>
+              <a:ext uri="{FF2B5EF4-FFF2-40B4-BE49-F238E27FC236}">
+                <a16:creationId xmlns:a16="http://schemas.microsoft.com/office/drawing/2014/main" id="{6B4B64BC-E1B8-4F3C-8743-BD525EDA53BA}"/>
+              </a:ext>
+            </a:extLst>
+          </p:cNvPr>
+          <p:cNvSpPr>
+            <a:spLocks noGrp="1"/>
+          </p:cNvSpPr>
+          <p:nvPr>
+            <p:ph idx="1"/>
+          </p:nvPr>
+        </p:nvSpPr>
+        <p:spPr/>
+        <p:txBody>
+          <a:bodyPr/>
+          <a:lstStyle/>
+          <a:p>
+            <a:endParaRPr lang="da-DK"/>
+          </a:p>
+        </p:txBody>
+      </p:sp>
+      <p:sp>
+        <p:nvSpPr>
+          <p:cNvPr id="4" name="Date Placeholder 3">
+            <a:extLst>
+              <a:ext uri="{FF2B5EF4-FFF2-40B4-BE49-F238E27FC236}">
+                <a16:creationId xmlns:a16="http://schemas.microsoft.com/office/drawing/2014/main" id="{BF3E69BC-BBB7-4DA7-B17F-56227A496F6F}"/>
+              </a:ext>
+            </a:extLst>
+          </p:cNvPr>
+          <p:cNvSpPr>
+            <a:spLocks noGrp="1"/>
+          </p:cNvSpPr>
+          <p:nvPr>
+            <p:ph type="dt" sz="half" idx="10"/>
+          </p:nvPr>
+        </p:nvSpPr>
+        <p:spPr/>
+        <p:txBody>
+          <a:bodyPr/>
+          <a:lstStyle/>
+          <a:p>
+            <a:fld id="{019E29B9-5584-4737-9C98-1B926378C778}" type="datetime1">
+              <a:rPr lang="en-US" smtClean="0"/>
+              <a:t>5/12/2021</a:t>
+            </a:fld>
+            <a:endParaRPr lang="da-DK"/>
+          </a:p>
+        </p:txBody>
+      </p:sp>
+      <p:sp>
+        <p:nvSpPr>
+          <p:cNvPr id="5" name="Footer Placeholder 4">
+            <a:extLst>
+              <a:ext uri="{FF2B5EF4-FFF2-40B4-BE49-F238E27FC236}">
+                <a16:creationId xmlns:a16="http://schemas.microsoft.com/office/drawing/2014/main" id="{B5AA2AE0-AC58-4607-8F42-36786645BC0F}"/>
+              </a:ext>
+            </a:extLst>
+          </p:cNvPr>
+          <p:cNvSpPr>
+            <a:spLocks noGrp="1"/>
+          </p:cNvSpPr>
+          <p:nvPr>
+            <p:ph type="ftr" sz="quarter" idx="11"/>
+          </p:nvPr>
+        </p:nvSpPr>
+        <p:spPr/>
+        <p:txBody>
+          <a:bodyPr/>
+          <a:lstStyle/>
+          <a:p>
+            <a:r>
+              <a:rPr lang="da-DK"/>
+              <a:t>Nicki Skafte Detlefsen</a:t>
+            </a:r>
+          </a:p>
+        </p:txBody>
+      </p:sp>
+      <p:sp>
+        <p:nvSpPr>
+          <p:cNvPr id="6" name="Slide Number Placeholder 5">
+            <a:extLst>
+              <a:ext uri="{FF2B5EF4-FFF2-40B4-BE49-F238E27FC236}">
+                <a16:creationId xmlns:a16="http://schemas.microsoft.com/office/drawing/2014/main" id="{60A8E9FC-E2AD-4F3D-952B-591701895A9E}"/>
+              </a:ext>
+            </a:extLst>
+          </p:cNvPr>
+          <p:cNvSpPr>
+            <a:spLocks noGrp="1"/>
+          </p:cNvSpPr>
+          <p:nvPr>
+            <p:ph type="sldNum" sz="quarter" idx="12"/>
+          </p:nvPr>
+        </p:nvSpPr>
+        <p:spPr/>
+        <p:txBody>
+          <a:bodyPr/>
+          <a:lstStyle/>
+          <a:p>
+            <a:fld id="{F6FEDE24-D50C-481B-A7B4-8AF13899101A}" type="slidenum">
+              <a:rPr lang="da-DK" smtClean="0"/>
+              <a:t>5</a:t>
+            </a:fld>
+            <a:endParaRPr lang="da-DK"/>
+          </a:p>
+        </p:txBody>
+      </p:sp>
+    </p:spTree>
+    <p:extLst>
+      <p:ext uri="{BB962C8B-B14F-4D97-AF65-F5344CB8AC3E}">
+        <p14:creationId xmlns:p14="http://schemas.microsoft.com/office/powerpoint/2010/main" val="1184063823"/>
+      </p:ext>
+    </p:extLst>
+  </p:cSld>
+  <p:clrMapOvr>
+    <a:masterClrMapping/>
+  </p:clrMapOvr>
+</p:sld>
+</file>
+
+<file path=ppt/slides/slide6.xml><?xml version="1.0" encoding="utf-8"?>
+<p:sld xmlns:a="http://schemas.openxmlformats.org/drawingml/2006/main" xmlns:r="http://schemas.openxmlformats.org/officeDocument/2006/relationships" xmlns:p="http://schemas.openxmlformats.org/presentationml/2006/main">
+  <p:cSld>
+    <p:spTree>
+      <p:nvGrpSpPr>
+        <p:cNvPr id="1" name=""/>
+        <p:cNvGrpSpPr/>
+        <p:nvPr/>
+      </p:nvGrpSpPr>
+      <p:grpSpPr>
+        <a:xfrm>
+          <a:off x="0" y="0"/>
+          <a:ext cx="0" cy="0"/>
+          <a:chOff x="0" y="0"/>
+          <a:chExt cx="0" cy="0"/>
+        </a:xfrm>
+      </p:grpSpPr>
+      <p:sp>
+        <p:nvSpPr>
+          <p:cNvPr id="2" name="Title 1">
+            <a:extLst>
+              <a:ext uri="{FF2B5EF4-FFF2-40B4-BE49-F238E27FC236}">
+                <a16:creationId xmlns:a16="http://schemas.microsoft.com/office/drawing/2014/main" id="{26620170-F212-41EC-BBF0-1179E9707C33}"/>
+              </a:ext>
+            </a:extLst>
+          </p:cNvPr>
+          <p:cNvSpPr>
+            <a:spLocks noGrp="1"/>
+          </p:cNvSpPr>
+          <p:nvPr>
+            <p:ph type="title"/>
+          </p:nvPr>
+        </p:nvSpPr>
+        <p:spPr/>
+        <p:txBody>
+          <a:bodyPr/>
+          <a:lstStyle/>
+          <a:p>
+            <a:endParaRPr lang="da-DK"/>
+          </a:p>
+        </p:txBody>
+      </p:sp>
+      <p:sp>
+        <p:nvSpPr>
+          <p:cNvPr id="3" name="Content Placeholder 2">
+            <a:extLst>
+              <a:ext uri="{FF2B5EF4-FFF2-40B4-BE49-F238E27FC236}">
+                <a16:creationId xmlns:a16="http://schemas.microsoft.com/office/drawing/2014/main" id="{EB573C72-3C94-4AA0-AB0C-E0203DB5CCC8}"/>
+              </a:ext>
+            </a:extLst>
+          </p:cNvPr>
+          <p:cNvSpPr>
+            <a:spLocks noGrp="1"/>
+          </p:cNvSpPr>
+          <p:nvPr>
+            <p:ph idx="1"/>
+          </p:nvPr>
+        </p:nvSpPr>
+        <p:spPr/>
+        <p:txBody>
+          <a:bodyPr/>
+          <a:lstStyle/>
+          <a:p>
+            <a:endParaRPr lang="da-DK"/>
+          </a:p>
+        </p:txBody>
+      </p:sp>
+      <p:sp>
+        <p:nvSpPr>
+          <p:cNvPr id="4" name="Date Placeholder 3">
+            <a:extLst>
+              <a:ext uri="{FF2B5EF4-FFF2-40B4-BE49-F238E27FC236}">
+                <a16:creationId xmlns:a16="http://schemas.microsoft.com/office/drawing/2014/main" id="{FAFF879A-02DB-46FE-96A6-56BE962BDB77}"/>
+              </a:ext>
+            </a:extLst>
+          </p:cNvPr>
+          <p:cNvSpPr>
+            <a:spLocks noGrp="1"/>
+          </p:cNvSpPr>
+          <p:nvPr>
+            <p:ph type="dt" sz="half" idx="10"/>
+          </p:nvPr>
+        </p:nvSpPr>
+        <p:spPr/>
+        <p:txBody>
+          <a:bodyPr/>
+          <a:lstStyle/>
+          <a:p>
+            <a:fld id="{019E29B9-5584-4737-9C98-1B926378C778}" type="datetime1">
+              <a:rPr lang="en-US" smtClean="0"/>
+              <a:t>5/12/2021</a:t>
+            </a:fld>
+            <a:endParaRPr lang="da-DK"/>
+          </a:p>
+        </p:txBody>
+      </p:sp>
+      <p:sp>
+        <p:nvSpPr>
+          <p:cNvPr id="5" name="Footer Placeholder 4">
+            <a:extLst>
+              <a:ext uri="{FF2B5EF4-FFF2-40B4-BE49-F238E27FC236}">
+                <a16:creationId xmlns:a16="http://schemas.microsoft.com/office/drawing/2014/main" id="{D017D227-6D7A-4C83-B900-19A10749A412}"/>
+              </a:ext>
+            </a:extLst>
+          </p:cNvPr>
+          <p:cNvSpPr>
+            <a:spLocks noGrp="1"/>
+          </p:cNvSpPr>
+          <p:nvPr>
+            <p:ph type="ftr" sz="quarter" idx="11"/>
+          </p:nvPr>
+        </p:nvSpPr>
+        <p:spPr/>
+        <p:txBody>
+          <a:bodyPr/>
+          <a:lstStyle/>
+          <a:p>
+            <a:r>
+              <a:rPr lang="da-DK"/>
+              <a:t>Nicki Skafte Detlefsen</a:t>
+            </a:r>
+          </a:p>
+        </p:txBody>
+      </p:sp>
+      <p:sp>
+        <p:nvSpPr>
+          <p:cNvPr id="6" name="Slide Number Placeholder 5">
+            <a:extLst>
+              <a:ext uri="{FF2B5EF4-FFF2-40B4-BE49-F238E27FC236}">
+                <a16:creationId xmlns:a16="http://schemas.microsoft.com/office/drawing/2014/main" id="{3ABDB98C-01F5-4A01-A2B2-88383B881833}"/>
+              </a:ext>
+            </a:extLst>
+          </p:cNvPr>
+          <p:cNvSpPr>
+            <a:spLocks noGrp="1"/>
+          </p:cNvSpPr>
+          <p:nvPr>
+            <p:ph type="sldNum" sz="quarter" idx="12"/>
+          </p:nvPr>
+        </p:nvSpPr>
+        <p:spPr/>
+        <p:txBody>
+          <a:bodyPr/>
+          <a:lstStyle/>
+          <a:p>
+            <a:fld id="{F6FEDE24-D50C-481B-A7B4-8AF13899101A}" type="slidenum">
+              <a:rPr lang="da-DK" smtClean="0"/>
+              <a:t>6</a:t>
+            </a:fld>
+            <a:endParaRPr lang="da-DK"/>
+          </a:p>
+        </p:txBody>
+      </p:sp>
+    </p:spTree>
+    <p:extLst>
+      <p:ext uri="{BB962C8B-B14F-4D97-AF65-F5344CB8AC3E}">
+        <p14:creationId xmlns:p14="http://schemas.microsoft.com/office/powerpoint/2010/main" val="39229472"/>
       </p:ext>
     </p:extLst>
   </p:cSld>

--- a/10_deployment/deployment.pptx
+++ b/10_deployment/deployment.pptx
@@ -5,10 +5,10 @@
     <p:sldMasterId id="2147483648" r:id="rId1"/>
   </p:sldMasterIdLst>
   <p:notesMasterIdLst>
-    <p:notesMasterId r:id="rId8"/>
+    <p:notesMasterId r:id="rId10"/>
   </p:notesMasterIdLst>
   <p:handoutMasterIdLst>
-    <p:handoutMasterId r:id="rId9"/>
+    <p:handoutMasterId r:id="rId11"/>
   </p:handoutMasterIdLst>
   <p:sldIdLst>
     <p:sldId id="256" r:id="rId2"/>
@@ -17,6 +17,8 @@
     <p:sldId id="262" r:id="rId5"/>
     <p:sldId id="260" r:id="rId6"/>
     <p:sldId id="261" r:id="rId7"/>
+    <p:sldId id="264" r:id="rId8"/>
+    <p:sldId id="263" r:id="rId9"/>
   </p:sldIdLst>
   <p:sldSz cx="12192000" cy="6858000"/>
   <p:notesSz cx="6858000" cy="9144000"/>
@@ -220,7 +222,7 @@
           <a:p>
             <a:fld id="{D75CAE95-D2DD-4998-876A-092BFD628C65}" type="datetimeFigureOut">
               <a:rPr lang="da-DK" smtClean="0"/>
-              <a:t>12-05-2021</a:t>
+              <a:t>24-05-2021</a:t>
             </a:fld>
             <a:endParaRPr lang="da-DK"/>
           </a:p>
@@ -398,7 +400,7 @@
           <a:p>
             <a:fld id="{1DA8E099-58AA-4136-B409-1CAD1943D842}" type="datetimeFigureOut">
               <a:rPr lang="da-DK" smtClean="0"/>
-              <a:t>12-05-2021</a:t>
+              <a:t>24-05-2021</a:t>
             </a:fld>
             <a:endParaRPr lang="da-DK"/>
           </a:p>
@@ -816,7 +818,7 @@
           <a:p>
             <a:fld id="{C85334AD-9960-4065-BF34-86ED0345A76D}" type="datetime1">
               <a:rPr lang="en-US" smtClean="0"/>
-              <a:t>5/12/2021</a:t>
+              <a:t>5/24/2021</a:t>
             </a:fld>
             <a:endParaRPr lang="da-DK"/>
           </a:p>
@@ -1055,7 +1057,7 @@
           <a:p>
             <a:fld id="{C5669758-3775-48D7-A841-693E908C3BF4}" type="datetime1">
               <a:rPr lang="en-US" smtClean="0"/>
-              <a:t>5/12/2021</a:t>
+              <a:t>5/24/2021</a:t>
             </a:fld>
             <a:endParaRPr lang="da-DK"/>
           </a:p>
@@ -1268,7 +1270,7 @@
           <a:p>
             <a:fld id="{1E0C3FF1-EDBD-4F2A-8366-34A4E3728310}" type="datetime1">
               <a:rPr lang="en-US" smtClean="0"/>
-              <a:t>5/12/2021</a:t>
+              <a:t>5/24/2021</a:t>
             </a:fld>
             <a:endParaRPr lang="da-DK"/>
           </a:p>
@@ -1489,7 +1491,7 @@
           <a:p>
             <a:fld id="{019E29B9-5584-4737-9C98-1B926378C778}" type="datetime1">
               <a:rPr lang="en-US" smtClean="0"/>
-              <a:t>5/12/2021</a:t>
+              <a:t>5/24/2021</a:t>
             </a:fld>
             <a:endParaRPr lang="da-DK"/>
           </a:p>
@@ -1804,7 +1806,7 @@
           <a:p>
             <a:fld id="{FCE38F03-F67D-4508-A858-99FCD085087C}" type="datetime1">
               <a:rPr lang="en-US" smtClean="0"/>
-              <a:t>5/12/2021</a:t>
+              <a:t>5/24/2021</a:t>
             </a:fld>
             <a:endParaRPr lang="da-DK"/>
           </a:p>
@@ -2075,7 +2077,7 @@
           <a:p>
             <a:fld id="{B43F2930-3FFD-4F93-A4BD-4F0D1A0B4514}" type="datetime1">
               <a:rPr lang="en-US" smtClean="0"/>
-              <a:t>5/12/2021</a:t>
+              <a:t>5/24/2021</a:t>
             </a:fld>
             <a:endParaRPr lang="da-DK"/>
           </a:p>
@@ -2493,7 +2495,7 @@
           <a:p>
             <a:fld id="{8E0F9B9B-30CC-4693-8E0F-1A94A979E2C5}" type="datetime1">
               <a:rPr lang="en-US" smtClean="0"/>
-              <a:t>5/12/2021</a:t>
+              <a:t>5/24/2021</a:t>
             </a:fld>
             <a:endParaRPr lang="da-DK"/>
           </a:p>
@@ -2638,7 +2640,7 @@
           <a:p>
             <a:fld id="{6FE1433B-E6A7-44FF-8B55-539471B4D7C5}" type="datetime1">
               <a:rPr lang="en-US" smtClean="0"/>
-              <a:t>5/12/2021</a:t>
+              <a:t>5/24/2021</a:t>
             </a:fld>
             <a:endParaRPr lang="da-DK"/>
           </a:p>
@@ -2754,7 +2756,7 @@
           <a:p>
             <a:fld id="{624F4001-6A8C-42DA-824F-B5CC1375B861}" type="datetime1">
               <a:rPr lang="en-US" smtClean="0"/>
-              <a:t>5/12/2021</a:t>
+              <a:t>5/24/2021</a:t>
             </a:fld>
             <a:endParaRPr lang="da-DK"/>
           </a:p>
@@ -3070,7 +3072,7 @@
           <a:p>
             <a:fld id="{2D3BE137-2C5E-4078-8BA2-7D42D7E67218}" type="datetime1">
               <a:rPr lang="en-US" smtClean="0"/>
-              <a:t>5/12/2021</a:t>
+              <a:t>5/24/2021</a:t>
             </a:fld>
             <a:endParaRPr lang="da-DK"/>
           </a:p>
@@ -3362,7 +3364,7 @@
           <a:p>
             <a:fld id="{0D1436FF-56D3-4E93-92E8-71121EAB120E}" type="datetime1">
               <a:rPr lang="en-US" smtClean="0"/>
-              <a:t>5/12/2021</a:t>
+              <a:t>5/24/2021</a:t>
             </a:fld>
             <a:endParaRPr lang="da-DK"/>
           </a:p>
@@ -3608,7 +3610,7 @@
           <a:p>
             <a:fld id="{16601EF2-4BCA-4009-ACCF-B97F259DEF6F}" type="datetime1">
               <a:rPr lang="en-US" smtClean="0"/>
-              <a:t>5/12/2021</a:t>
+              <a:t>5/24/2021</a:t>
             </a:fld>
             <a:endParaRPr lang="da-DK"/>
           </a:p>
@@ -4088,33 +4090,83 @@
         <p:spPr/>
         <p:txBody>
           <a:bodyPr>
-            <a:normAutofit lnSpcReduction="10000"/>
+            <a:normAutofit fontScale="92500" lnSpcReduction="10000"/>
           </a:bodyPr>
           <a:lstStyle/>
           <a:p>
             <a:r>
-              <a:rPr lang="da-DK"/>
+              <a:rPr lang="da-DK" dirty="0"/>
               <a:t>02457 Machine Learning Operations</a:t>
             </a:r>
           </a:p>
           <a:p>
             <a:r>
-              <a:rPr lang="da-DK"/>
+              <a:rPr lang="da-DK" dirty="0"/>
               <a:t>Nicki Skafte Detlefsen,</a:t>
             </a:r>
           </a:p>
           <a:p>
             <a:r>
-              <a:rPr lang="da-DK"/>
+              <a:rPr lang="da-DK" dirty="0"/>
               <a:t>Postdoc</a:t>
             </a:r>
           </a:p>
           <a:p>
             <a:r>
-              <a:rPr lang="da-DK"/>
+              <a:rPr lang="da-DK" dirty="0"/>
               <a:t>DTU Compute</a:t>
             </a:r>
+          </a:p>
+          <a:p>
             <a:endParaRPr lang="da-DK" dirty="0"/>
+          </a:p>
+          <a:p>
+            <a:endParaRPr lang="da-DK" dirty="0"/>
+          </a:p>
+        </p:txBody>
+      </p:sp>
+      <p:sp>
+        <p:nvSpPr>
+          <p:cNvPr id="4" name="TextBox 3">
+            <a:extLst>
+              <a:ext uri="{FF2B5EF4-FFF2-40B4-BE49-F238E27FC236}">
+                <a16:creationId xmlns:a16="http://schemas.microsoft.com/office/drawing/2014/main" id="{EAE633AC-CBCA-466B-AE07-96F326937389}"/>
+              </a:ext>
+            </a:extLst>
+          </p:cNvPr>
+          <p:cNvSpPr txBox="1"/>
+          <p:nvPr/>
+        </p:nvSpPr>
+        <p:spPr>
+          <a:xfrm>
+            <a:off x="2722416" y="5974080"/>
+            <a:ext cx="6747168" cy="369332"/>
+          </a:xfrm>
+          <a:prstGeom prst="rect">
+            <a:avLst/>
+          </a:prstGeom>
+          <a:noFill/>
+        </p:spPr>
+        <p:txBody>
+          <a:bodyPr wrap="none" rtlCol="0">
+            <a:spAutoFit/>
+          </a:bodyPr>
+          <a:lstStyle/>
+          <a:p>
+            <a:r>
+              <a:rPr lang="da-DK" dirty="0"/>
+              <a:t>Loosely based on </a:t>
+            </a:r>
+            <a:r>
+              <a:rPr lang="da-DK" dirty="0">
+                <a:hlinkClick r:id="rId2"/>
+              </a:rPr>
+              <a:t>https://www.youtube.com/watch?v=2awmrMRf0dA</a:t>
+            </a:r>
+            <a:r>
+              <a:rPr lang="da-DK" dirty="0"/>
+              <a:t> </a:t>
+            </a:r>
           </a:p>
         </p:txBody>
       </p:sp>
@@ -4233,7 +4285,7 @@
           <a:p>
             <a:fld id="{019E29B9-5584-4737-9C98-1B926378C778}" type="datetime1">
               <a:rPr lang="en-US" smtClean="0"/>
-              <a:t>5/12/2021</a:t>
+              <a:t>5/24/2021</a:t>
             </a:fld>
             <a:endParaRPr lang="da-DK"/>
           </a:p>
@@ -4500,7 +4552,7 @@
           <a:p>
             <a:fld id="{019E29B9-5584-4737-9C98-1B926378C778}" type="datetime1">
               <a:rPr lang="en-US" smtClean="0"/>
-              <a:t>5/12/2021</a:t>
+              <a:t>5/24/2021</a:t>
             </a:fld>
             <a:endParaRPr lang="da-DK"/>
           </a:p>
@@ -4715,8 +4767,8 @@
           </a:p>
         </p:txBody>
       </p:sp>
-      <mc:AlternateContent xmlns:mc="http://schemas.openxmlformats.org/markup-compatibility/2006">
-        <mc:Choice xmlns:a14="http://schemas.microsoft.com/office/drawing/2010/main" Requires="a14">
+      <mc:AlternateContent xmlns:mc="http://schemas.openxmlformats.org/markup-compatibility/2006" xmlns:a14="http://schemas.microsoft.com/office/drawing/2010/main">
+        <mc:Choice Requires="a14">
           <p:sp>
             <p:nvSpPr>
               <p:cNvPr id="3" name="Content Placeholder 2">
@@ -4851,7 +4903,7 @@
             </p:txBody>
           </p:sp>
         </mc:Choice>
-        <mc:Fallback>
+        <mc:Fallback xmlns="">
           <p:sp>
             <p:nvSpPr>
               <p:cNvPr id="3" name="Content Placeholder 2">
@@ -4914,7 +4966,7 @@
           <a:p>
             <a:fld id="{019E29B9-5584-4737-9C98-1B926378C778}" type="datetime1">
               <a:rPr lang="en-US" smtClean="0"/>
-              <a:t>5/12/2021</a:t>
+              <a:t>5/24/2021</a:t>
             </a:fld>
             <a:endParaRPr lang="da-DK"/>
           </a:p>
@@ -5028,7 +5080,10 @@
           <a:bodyPr/>
           <a:lstStyle/>
           <a:p>
-            <a:endParaRPr lang="da-DK"/>
+            <a:r>
+              <a:rPr lang="da-DK" dirty="0"/>
+              <a:t>Production requirements</a:t>
+            </a:r>
           </a:p>
         </p:txBody>
       </p:sp>
@@ -5053,7 +5108,63 @@
           <a:bodyPr/>
           <a:lstStyle/>
           <a:p>
-            <a:endParaRPr lang="da-DK"/>
+            <a:pPr marL="514350" indent="-514350">
+              <a:buFont typeface="+mj-lt"/>
+              <a:buAutoNum type="arabicPeriod"/>
+            </a:pPr>
+            <a:r>
+              <a:rPr lang="da-DK" dirty="0"/>
+              <a:t>Portability</a:t>
+            </a:r>
+          </a:p>
+          <a:p>
+            <a:pPr marL="457200" lvl="1" indent="0">
+              <a:buNone/>
+            </a:pPr>
+            <a:r>
+              <a:rPr lang="da-DK" dirty="0"/>
+              <a:t>	Models should be exportable to wide variety of enviroments, from C++ 	servers to mobile</a:t>
+            </a:r>
+          </a:p>
+          <a:p>
+            <a:pPr marL="457200" lvl="1" indent="0">
+              <a:buNone/>
+            </a:pPr>
+            <a:endParaRPr lang="da-DK" dirty="0"/>
+          </a:p>
+          <a:p>
+            <a:pPr marL="514350" indent="-514350">
+              <a:buFont typeface="+mj-lt"/>
+              <a:buAutoNum type="arabicPeriod"/>
+            </a:pPr>
+            <a:r>
+              <a:rPr lang="da-DK" dirty="0"/>
+              <a:t>Performance</a:t>
+            </a:r>
+          </a:p>
+          <a:p>
+            <a:pPr marL="457200" lvl="1" indent="0">
+              <a:buNone/>
+            </a:pPr>
+            <a:r>
+              <a:rPr lang="da-DK" dirty="0"/>
+              <a:t>	We want to optimize common patterns in neural networks to improve 	inference </a:t>
+            </a:r>
+            <a:r>
+              <a:rPr lang="da-DK" u="sng" dirty="0"/>
+              <a:t>latency</a:t>
+            </a:r>
+            <a:r>
+              <a:rPr lang="da-DK" dirty="0"/>
+              <a:t> and </a:t>
+            </a:r>
+            <a:r>
+              <a:rPr lang="da-DK" u="sng" dirty="0"/>
+              <a:t>throughput</a:t>
+            </a:r>
+          </a:p>
+          <a:p>
+            <a:endParaRPr lang="da-DK" dirty="0"/>
           </a:p>
         </p:txBody>
       </p:sp>
@@ -5080,9 +5191,9 @@
           <a:p>
             <a:fld id="{019E29B9-5584-4737-9C98-1B926378C778}" type="datetime1">
               <a:rPr lang="en-US" smtClean="0"/>
-              <a:t>5/12/2021</a:t>
+              <a:t>5/24/2021</a:t>
             </a:fld>
-            <a:endParaRPr lang="da-DK"/>
+            <a:endParaRPr lang="da-DK" dirty="0"/>
           </a:p>
         </p:txBody>
       </p:sp>
@@ -5143,6 +5254,36 @@
           </a:p>
         </p:txBody>
       </p:sp>
+      <p:pic>
+        <p:nvPicPr>
+          <p:cNvPr id="8" name="Picture 7">
+            <a:extLst>
+              <a:ext uri="{FF2B5EF4-FFF2-40B4-BE49-F238E27FC236}">
+                <a16:creationId xmlns:a16="http://schemas.microsoft.com/office/drawing/2014/main" id="{B92B4400-0D15-4389-B3EB-AD389091874D}"/>
+              </a:ext>
+            </a:extLst>
+          </p:cNvPr>
+          <p:cNvPicPr>
+            <a:picLocks noChangeAspect="1"/>
+          </p:cNvPicPr>
+          <p:nvPr/>
+        </p:nvPicPr>
+        <p:blipFill>
+          <a:blip r:embed="rId2"/>
+          <a:stretch>
+            <a:fillRect/>
+          </a:stretch>
+        </p:blipFill>
+        <p:spPr>
+          <a:xfrm>
+            <a:off x="3104130" y="4124213"/>
+            <a:ext cx="5983740" cy="2142443"/>
+          </a:xfrm>
+          <a:prstGeom prst="rect">
+            <a:avLst/>
+          </a:prstGeom>
+        </p:spPr>
+      </p:pic>
     </p:spTree>
     <p:extLst>
       <p:ext uri="{BB962C8B-B14F-4D97-AF65-F5344CB8AC3E}">
@@ -5189,12 +5330,20 @@
             <p:ph type="title"/>
           </p:nvPr>
         </p:nvSpPr>
-        <p:spPr/>
-        <p:txBody>
-          <a:bodyPr/>
-          <a:lstStyle/>
-          <a:p>
-            <a:endParaRPr lang="da-DK"/>
+        <p:spPr>
+          <a:xfrm>
+            <a:off x="838200" y="0"/>
+            <a:ext cx="10515600" cy="1325563"/>
+          </a:xfrm>
+        </p:spPr>
+        <p:txBody>
+          <a:bodyPr/>
+          <a:lstStyle/>
+          <a:p>
+            <a:r>
+              <a:rPr lang="da-DK" dirty="0"/>
+              <a:t>What are the challenges with Pytorch in production</a:t>
+            </a:r>
           </a:p>
         </p:txBody>
       </p:sp>
@@ -5219,7 +5368,46 @@
           <a:bodyPr/>
           <a:lstStyle/>
           <a:p>
-            <a:endParaRPr lang="da-DK"/>
+            <a:endParaRPr lang="da-DK" dirty="0"/>
+          </a:p>
+          <a:p>
+            <a:r>
+              <a:rPr lang="da-DK" dirty="0"/>
+              <a:t>Pytorch is a dynamic framework (uses a dynamic graph)</a:t>
+            </a:r>
+          </a:p>
+          <a:p>
+            <a:pPr lvl="1"/>
+            <a:r>
+              <a:rPr lang="da-DK" dirty="0"/>
+              <a:t>This is not great in production as we need to know sizes etc. for compilation and optimization</a:t>
+            </a:r>
+          </a:p>
+          <a:p>
+            <a:endParaRPr lang="da-DK" dirty="0"/>
+          </a:p>
+          <a:p>
+            <a:r>
+              <a:rPr lang="da-DK" dirty="0"/>
+              <a:t>Why not use a static framework (Tensorflow 1.x, Caffe2 etc.)?</a:t>
+            </a:r>
+          </a:p>
+          <a:p>
+            <a:pPr lvl="1"/>
+            <a:r>
+              <a:rPr lang="da-DK" dirty="0"/>
+              <a:t>Do you really want to port all your work?</a:t>
+            </a:r>
+          </a:p>
+          <a:p>
+            <a:pPr lvl="1"/>
+            <a:endParaRPr lang="da-DK" dirty="0"/>
+          </a:p>
+          <a:p>
+            <a:r>
+              <a:rPr lang="da-DK" dirty="0"/>
+              <a:t>What can we do to solve this?</a:t>
+            </a:r>
           </a:p>
         </p:txBody>
       </p:sp>
@@ -5246,7 +5434,7 @@
           <a:p>
             <a:fld id="{019E29B9-5584-4737-9C98-1B926378C778}" type="datetime1">
               <a:rPr lang="en-US" smtClean="0"/>
-              <a:t>5/12/2021</a:t>
+              <a:t>5/24/2021</a:t>
             </a:fld>
             <a:endParaRPr lang="da-DK"/>
           </a:p>
@@ -5313,6 +5501,466 @@
     <p:extLst>
       <p:ext uri="{BB962C8B-B14F-4D97-AF65-F5344CB8AC3E}">
         <p14:creationId xmlns:p14="http://schemas.microsoft.com/office/powerpoint/2010/main" val="39229472"/>
+      </p:ext>
+    </p:extLst>
+  </p:cSld>
+  <p:clrMapOvr>
+    <a:masterClrMapping/>
+  </p:clrMapOvr>
+</p:sld>
+</file>
+
+<file path=ppt/slides/slide7.xml><?xml version="1.0" encoding="utf-8"?>
+<p:sld xmlns:a="http://schemas.openxmlformats.org/drawingml/2006/main" xmlns:r="http://schemas.openxmlformats.org/officeDocument/2006/relationships" xmlns:p="http://schemas.openxmlformats.org/presentationml/2006/main">
+  <p:cSld>
+    <p:spTree>
+      <p:nvGrpSpPr>
+        <p:cNvPr id="1" name=""/>
+        <p:cNvGrpSpPr/>
+        <p:nvPr/>
+      </p:nvGrpSpPr>
+      <p:grpSpPr>
+        <a:xfrm>
+          <a:off x="0" y="0"/>
+          <a:ext cx="0" cy="0"/>
+          <a:chOff x="0" y="0"/>
+          <a:chExt cx="0" cy="0"/>
+        </a:xfrm>
+      </p:grpSpPr>
+      <p:sp>
+        <p:nvSpPr>
+          <p:cNvPr id="2" name="Title 1">
+            <a:extLst>
+              <a:ext uri="{FF2B5EF4-FFF2-40B4-BE49-F238E27FC236}">
+                <a16:creationId xmlns:a16="http://schemas.microsoft.com/office/drawing/2014/main" id="{CFB6F646-5CDF-4C24-9D09-3185F1EA1B99}"/>
+              </a:ext>
+            </a:extLst>
+          </p:cNvPr>
+          <p:cNvSpPr>
+            <a:spLocks noGrp="1"/>
+          </p:cNvSpPr>
+          <p:nvPr>
+            <p:ph type="title"/>
+          </p:nvPr>
+        </p:nvSpPr>
+        <p:spPr/>
+        <p:txBody>
+          <a:bodyPr/>
+          <a:lstStyle/>
+          <a:p>
+            <a:r>
+              <a:rPr lang="da-DK" dirty="0"/>
+              <a:t>Convert to script mode!</a:t>
+            </a:r>
+          </a:p>
+        </p:txBody>
+      </p:sp>
+      <p:sp>
+        <p:nvSpPr>
+          <p:cNvPr id="3" name="Content Placeholder 2">
+            <a:extLst>
+              <a:ext uri="{FF2B5EF4-FFF2-40B4-BE49-F238E27FC236}">
+                <a16:creationId xmlns:a16="http://schemas.microsoft.com/office/drawing/2014/main" id="{65895965-B3E9-43FA-BC76-52F8E2E7783C}"/>
+              </a:ext>
+            </a:extLst>
+          </p:cNvPr>
+          <p:cNvSpPr>
+            <a:spLocks noGrp="1"/>
+          </p:cNvSpPr>
+          <p:nvPr>
+            <p:ph idx="1"/>
+          </p:nvPr>
+        </p:nvSpPr>
+        <p:spPr/>
+        <p:txBody>
+          <a:bodyPr/>
+          <a:lstStyle/>
+          <a:p>
+            <a:endParaRPr lang="da-DK"/>
+          </a:p>
+        </p:txBody>
+      </p:sp>
+      <p:sp>
+        <p:nvSpPr>
+          <p:cNvPr id="4" name="Date Placeholder 3">
+            <a:extLst>
+              <a:ext uri="{FF2B5EF4-FFF2-40B4-BE49-F238E27FC236}">
+                <a16:creationId xmlns:a16="http://schemas.microsoft.com/office/drawing/2014/main" id="{93EE545D-4724-4759-9936-944E9F3C6CED}"/>
+              </a:ext>
+            </a:extLst>
+          </p:cNvPr>
+          <p:cNvSpPr>
+            <a:spLocks noGrp="1"/>
+          </p:cNvSpPr>
+          <p:nvPr>
+            <p:ph type="dt" sz="half" idx="10"/>
+          </p:nvPr>
+        </p:nvSpPr>
+        <p:spPr/>
+        <p:txBody>
+          <a:bodyPr/>
+          <a:lstStyle/>
+          <a:p>
+            <a:fld id="{019E29B9-5584-4737-9C98-1B926378C778}" type="datetime1">
+              <a:rPr lang="en-US" smtClean="0"/>
+              <a:t>5/24/2021</a:t>
+            </a:fld>
+            <a:endParaRPr lang="da-DK"/>
+          </a:p>
+        </p:txBody>
+      </p:sp>
+      <p:sp>
+        <p:nvSpPr>
+          <p:cNvPr id="5" name="Footer Placeholder 4">
+            <a:extLst>
+              <a:ext uri="{FF2B5EF4-FFF2-40B4-BE49-F238E27FC236}">
+                <a16:creationId xmlns:a16="http://schemas.microsoft.com/office/drawing/2014/main" id="{76249C13-6DF2-4E5A-9819-D7C4D02914FB}"/>
+              </a:ext>
+            </a:extLst>
+          </p:cNvPr>
+          <p:cNvSpPr>
+            <a:spLocks noGrp="1"/>
+          </p:cNvSpPr>
+          <p:nvPr>
+            <p:ph type="ftr" sz="quarter" idx="11"/>
+          </p:nvPr>
+        </p:nvSpPr>
+        <p:spPr/>
+        <p:txBody>
+          <a:bodyPr/>
+          <a:lstStyle/>
+          <a:p>
+            <a:r>
+              <a:rPr lang="da-DK"/>
+              <a:t>Nicki Skafte Detlefsen</a:t>
+            </a:r>
+          </a:p>
+        </p:txBody>
+      </p:sp>
+      <p:sp>
+        <p:nvSpPr>
+          <p:cNvPr id="6" name="Slide Number Placeholder 5">
+            <a:extLst>
+              <a:ext uri="{FF2B5EF4-FFF2-40B4-BE49-F238E27FC236}">
+                <a16:creationId xmlns:a16="http://schemas.microsoft.com/office/drawing/2014/main" id="{D75F4907-290A-46CD-AAC4-2563D5F62948}"/>
+              </a:ext>
+            </a:extLst>
+          </p:cNvPr>
+          <p:cNvSpPr>
+            <a:spLocks noGrp="1"/>
+          </p:cNvSpPr>
+          <p:nvPr>
+            <p:ph type="sldNum" sz="quarter" idx="12"/>
+          </p:nvPr>
+        </p:nvSpPr>
+        <p:spPr/>
+        <p:txBody>
+          <a:bodyPr/>
+          <a:lstStyle/>
+          <a:p>
+            <a:fld id="{F6FEDE24-D50C-481B-A7B4-8AF13899101A}" type="slidenum">
+              <a:rPr lang="da-DK" smtClean="0"/>
+              <a:t>7</a:t>
+            </a:fld>
+            <a:endParaRPr lang="da-DK"/>
+          </a:p>
+        </p:txBody>
+      </p:sp>
+      <p:pic>
+        <p:nvPicPr>
+          <p:cNvPr id="8" name="Picture 7">
+            <a:extLst>
+              <a:ext uri="{FF2B5EF4-FFF2-40B4-BE49-F238E27FC236}">
+                <a16:creationId xmlns:a16="http://schemas.microsoft.com/office/drawing/2014/main" id="{463DF128-9BA9-4655-A798-99A9F2549E2C}"/>
+              </a:ext>
+            </a:extLst>
+          </p:cNvPr>
+          <p:cNvPicPr>
+            <a:picLocks noChangeAspect="1"/>
+          </p:cNvPicPr>
+          <p:nvPr/>
+        </p:nvPicPr>
+        <p:blipFill>
+          <a:blip r:embed="rId2"/>
+          <a:stretch>
+            <a:fillRect/>
+          </a:stretch>
+        </p:blipFill>
+        <p:spPr>
+          <a:xfrm>
+            <a:off x="352425" y="2312485"/>
+            <a:ext cx="11487150" cy="2895600"/>
+          </a:xfrm>
+          <a:prstGeom prst="rect">
+            <a:avLst/>
+          </a:prstGeom>
+        </p:spPr>
+      </p:pic>
+      <p:sp>
+        <p:nvSpPr>
+          <p:cNvPr id="9" name="Rectangle 8">
+            <a:extLst>
+              <a:ext uri="{FF2B5EF4-FFF2-40B4-BE49-F238E27FC236}">
+                <a16:creationId xmlns:a16="http://schemas.microsoft.com/office/drawing/2014/main" id="{DCA79D3C-A8D4-4151-8D9A-CA696C544F95}"/>
+              </a:ext>
+            </a:extLst>
+          </p:cNvPr>
+          <p:cNvSpPr/>
+          <p:nvPr/>
+        </p:nvSpPr>
+        <p:spPr>
+          <a:xfrm>
+            <a:off x="4963886" y="2629989"/>
+            <a:ext cx="2333897" cy="548640"/>
+          </a:xfrm>
+          <a:prstGeom prst="rect">
+            <a:avLst/>
+          </a:prstGeom>
+          <a:noFill/>
+          <a:ln w="38100">
+            <a:solidFill>
+              <a:srgbClr val="EC4C33"/>
+            </a:solidFill>
+          </a:ln>
+        </p:spPr>
+        <p:style>
+          <a:lnRef idx="2">
+            <a:schemeClr val="accent1">
+              <a:shade val="50000"/>
+            </a:schemeClr>
+          </a:lnRef>
+          <a:fillRef idx="1">
+            <a:schemeClr val="accent1"/>
+          </a:fillRef>
+          <a:effectRef idx="0">
+            <a:schemeClr val="accent1"/>
+          </a:effectRef>
+          <a:fontRef idx="minor">
+            <a:schemeClr val="lt1"/>
+          </a:fontRef>
+        </p:style>
+        <p:txBody>
+          <a:bodyPr rtlCol="0" anchor="ctr"/>
+          <a:lstStyle/>
+          <a:p>
+            <a:pPr algn="ctr"/>
+            <a:endParaRPr lang="da-DK"/>
+          </a:p>
+        </p:txBody>
+      </p:sp>
+    </p:spTree>
+    <p:extLst>
+      <p:ext uri="{BB962C8B-B14F-4D97-AF65-F5344CB8AC3E}">
+        <p14:creationId xmlns:p14="http://schemas.microsoft.com/office/powerpoint/2010/main" val="3695974087"/>
+      </p:ext>
+    </p:extLst>
+  </p:cSld>
+  <p:clrMapOvr>
+    <a:masterClrMapping/>
+  </p:clrMapOvr>
+</p:sld>
+</file>
+
+<file path=ppt/slides/slide8.xml><?xml version="1.0" encoding="utf-8"?>
+<p:sld xmlns:a="http://schemas.openxmlformats.org/drawingml/2006/main" xmlns:r="http://schemas.openxmlformats.org/officeDocument/2006/relationships" xmlns:p="http://schemas.openxmlformats.org/presentationml/2006/main">
+  <p:cSld>
+    <p:spTree>
+      <p:nvGrpSpPr>
+        <p:cNvPr id="1" name=""/>
+        <p:cNvGrpSpPr/>
+        <p:nvPr/>
+      </p:nvGrpSpPr>
+      <p:grpSpPr>
+        <a:xfrm>
+          <a:off x="0" y="0"/>
+          <a:ext cx="0" cy="0"/>
+          <a:chOff x="0" y="0"/>
+          <a:chExt cx="0" cy="0"/>
+        </a:xfrm>
+      </p:grpSpPr>
+      <p:sp>
+        <p:nvSpPr>
+          <p:cNvPr id="2" name="Title 1">
+            <a:extLst>
+              <a:ext uri="{FF2B5EF4-FFF2-40B4-BE49-F238E27FC236}">
+                <a16:creationId xmlns:a16="http://schemas.microsoft.com/office/drawing/2014/main" id="{6C8E2CF6-0AF6-4B86-B1CE-76AC3E283866}"/>
+              </a:ext>
+            </a:extLst>
+          </p:cNvPr>
+          <p:cNvSpPr>
+            <a:spLocks noGrp="1"/>
+          </p:cNvSpPr>
+          <p:nvPr>
+            <p:ph type="title"/>
+          </p:nvPr>
+        </p:nvSpPr>
+        <p:spPr/>
+        <p:txBody>
+          <a:bodyPr/>
+          <a:lstStyle/>
+          <a:p>
+            <a:r>
+              <a:rPr lang="da-DK" dirty="0"/>
+              <a:t>Serilization</a:t>
+            </a:r>
+          </a:p>
+        </p:txBody>
+      </p:sp>
+      <p:sp>
+        <p:nvSpPr>
+          <p:cNvPr id="3" name="Content Placeholder 2">
+            <a:extLst>
+              <a:ext uri="{FF2B5EF4-FFF2-40B4-BE49-F238E27FC236}">
+                <a16:creationId xmlns:a16="http://schemas.microsoft.com/office/drawing/2014/main" id="{8DC65406-CBF5-4EAF-9CCD-9B03382DBABA}"/>
+              </a:ext>
+            </a:extLst>
+          </p:cNvPr>
+          <p:cNvSpPr>
+            <a:spLocks noGrp="1"/>
+          </p:cNvSpPr>
+          <p:nvPr>
+            <p:ph idx="1"/>
+          </p:nvPr>
+        </p:nvSpPr>
+        <p:spPr/>
+        <p:txBody>
+          <a:bodyPr/>
+          <a:lstStyle/>
+          <a:p>
+            <a:r>
+              <a:rPr lang="da-DK" dirty="0">
+                <a:latin typeface="+mj-lt"/>
+              </a:rPr>
+              <a:t>torch.jit.script </a:t>
+            </a:r>
+            <a:r>
+              <a:rPr lang="da-DK" dirty="0"/>
+              <a:t>serialize the model, but what does it mean?</a:t>
+            </a:r>
+          </a:p>
+          <a:p>
+            <a:endParaRPr lang="da-DK" dirty="0"/>
+          </a:p>
+          <a:p>
+            <a:r>
+              <a:rPr lang="da-DK" dirty="0"/>
+              <a:t>Serilization essentially encodes all </a:t>
+            </a:r>
+            <a:r>
+              <a:rPr lang="en-US" dirty="0"/>
+              <a:t>modules methods, submodules, parameters, and attributes into a byte stream</a:t>
+            </a:r>
+          </a:p>
+          <a:p>
+            <a:endParaRPr lang="en-US" dirty="0"/>
+          </a:p>
+          <a:p>
+            <a:r>
+              <a:rPr lang="en-US" dirty="0"/>
+              <a:t>This makes the encoded model independent of python!</a:t>
+            </a:r>
+          </a:p>
+          <a:p>
+            <a:endParaRPr lang="en-US" dirty="0"/>
+          </a:p>
+          <a:p>
+            <a:r>
+              <a:rPr lang="da-DK" dirty="0"/>
+              <a:t>This is basically just ”pickling” and “unpickling”.</a:t>
+            </a:r>
+          </a:p>
+        </p:txBody>
+      </p:sp>
+      <p:sp>
+        <p:nvSpPr>
+          <p:cNvPr id="4" name="Date Placeholder 3">
+            <a:extLst>
+              <a:ext uri="{FF2B5EF4-FFF2-40B4-BE49-F238E27FC236}">
+                <a16:creationId xmlns:a16="http://schemas.microsoft.com/office/drawing/2014/main" id="{055AA58C-6AD8-4E3B-8D69-E714E8B554A6}"/>
+              </a:ext>
+            </a:extLst>
+          </p:cNvPr>
+          <p:cNvSpPr>
+            <a:spLocks noGrp="1"/>
+          </p:cNvSpPr>
+          <p:nvPr>
+            <p:ph type="dt" sz="half" idx="10"/>
+          </p:nvPr>
+        </p:nvSpPr>
+        <p:spPr/>
+        <p:txBody>
+          <a:bodyPr/>
+          <a:lstStyle/>
+          <a:p>
+            <a:fld id="{019E29B9-5584-4737-9C98-1B926378C778}" type="datetime1">
+              <a:rPr lang="en-US" smtClean="0"/>
+              <a:t>5/24/2021</a:t>
+            </a:fld>
+            <a:endParaRPr lang="da-DK"/>
+          </a:p>
+        </p:txBody>
+      </p:sp>
+      <p:sp>
+        <p:nvSpPr>
+          <p:cNvPr id="5" name="Footer Placeholder 4">
+            <a:extLst>
+              <a:ext uri="{FF2B5EF4-FFF2-40B4-BE49-F238E27FC236}">
+                <a16:creationId xmlns:a16="http://schemas.microsoft.com/office/drawing/2014/main" id="{54077DDF-8BE6-4720-82DC-C0986BD28D4E}"/>
+              </a:ext>
+            </a:extLst>
+          </p:cNvPr>
+          <p:cNvSpPr>
+            <a:spLocks noGrp="1"/>
+          </p:cNvSpPr>
+          <p:nvPr>
+            <p:ph type="ftr" sz="quarter" idx="11"/>
+          </p:nvPr>
+        </p:nvSpPr>
+        <p:spPr/>
+        <p:txBody>
+          <a:bodyPr/>
+          <a:lstStyle/>
+          <a:p>
+            <a:r>
+              <a:rPr lang="da-DK"/>
+              <a:t>Nicki Skafte Detlefsen</a:t>
+            </a:r>
+          </a:p>
+        </p:txBody>
+      </p:sp>
+      <p:sp>
+        <p:nvSpPr>
+          <p:cNvPr id="6" name="Slide Number Placeholder 5">
+            <a:extLst>
+              <a:ext uri="{FF2B5EF4-FFF2-40B4-BE49-F238E27FC236}">
+                <a16:creationId xmlns:a16="http://schemas.microsoft.com/office/drawing/2014/main" id="{0B019C9A-5943-499B-97F1-2F2A48B25D82}"/>
+              </a:ext>
+            </a:extLst>
+          </p:cNvPr>
+          <p:cNvSpPr>
+            <a:spLocks noGrp="1"/>
+          </p:cNvSpPr>
+          <p:nvPr>
+            <p:ph type="sldNum" sz="quarter" idx="12"/>
+          </p:nvPr>
+        </p:nvSpPr>
+        <p:spPr/>
+        <p:txBody>
+          <a:bodyPr/>
+          <a:lstStyle/>
+          <a:p>
+            <a:fld id="{F6FEDE24-D50C-481B-A7B4-8AF13899101A}" type="slidenum">
+              <a:rPr lang="da-DK" smtClean="0"/>
+              <a:t>8</a:t>
+            </a:fld>
+            <a:endParaRPr lang="da-DK"/>
+          </a:p>
+        </p:txBody>
+      </p:sp>
+    </p:spTree>
+    <p:extLst>
+      <p:ext uri="{BB962C8B-B14F-4D97-AF65-F5344CB8AC3E}">
+        <p14:creationId xmlns:p14="http://schemas.microsoft.com/office/powerpoint/2010/main" val="2559464000"/>
       </p:ext>
     </p:extLst>
   </p:cSld>

--- a/10_deployment/deployment.pptx
+++ b/10_deployment/deployment.pptx
@@ -222,7 +222,7 @@
           <a:p>
             <a:fld id="{D75CAE95-D2DD-4998-876A-092BFD628C65}" type="datetimeFigureOut">
               <a:rPr lang="da-DK" smtClean="0"/>
-              <a:t>24-05-2021</a:t>
+              <a:t>03-06-2021</a:t>
             </a:fld>
             <a:endParaRPr lang="da-DK"/>
           </a:p>
@@ -400,7 +400,7 @@
           <a:p>
             <a:fld id="{1DA8E099-58AA-4136-B409-1CAD1943D842}" type="datetimeFigureOut">
               <a:rPr lang="da-DK" smtClean="0"/>
-              <a:t>24-05-2021</a:t>
+              <a:t>03-06-2021</a:t>
             </a:fld>
             <a:endParaRPr lang="da-DK"/>
           </a:p>
@@ -818,7 +818,7 @@
           <a:p>
             <a:fld id="{C85334AD-9960-4065-BF34-86ED0345A76D}" type="datetime1">
               <a:rPr lang="en-US" smtClean="0"/>
-              <a:t>5/24/2021</a:t>
+              <a:t>6/3/2021</a:t>
             </a:fld>
             <a:endParaRPr lang="da-DK"/>
           </a:p>
@@ -1057,7 +1057,7 @@
           <a:p>
             <a:fld id="{C5669758-3775-48D7-A841-693E908C3BF4}" type="datetime1">
               <a:rPr lang="en-US" smtClean="0"/>
-              <a:t>5/24/2021</a:t>
+              <a:t>6/3/2021</a:t>
             </a:fld>
             <a:endParaRPr lang="da-DK"/>
           </a:p>
@@ -1270,7 +1270,7 @@
           <a:p>
             <a:fld id="{1E0C3FF1-EDBD-4F2A-8366-34A4E3728310}" type="datetime1">
               <a:rPr lang="en-US" smtClean="0"/>
-              <a:t>5/24/2021</a:t>
+              <a:t>6/3/2021</a:t>
             </a:fld>
             <a:endParaRPr lang="da-DK"/>
           </a:p>
@@ -1491,7 +1491,7 @@
           <a:p>
             <a:fld id="{019E29B9-5584-4737-9C98-1B926378C778}" type="datetime1">
               <a:rPr lang="en-US" smtClean="0"/>
-              <a:t>5/24/2021</a:t>
+              <a:t>6/3/2021</a:t>
             </a:fld>
             <a:endParaRPr lang="da-DK"/>
           </a:p>
@@ -1806,7 +1806,7 @@
           <a:p>
             <a:fld id="{FCE38F03-F67D-4508-A858-99FCD085087C}" type="datetime1">
               <a:rPr lang="en-US" smtClean="0"/>
-              <a:t>5/24/2021</a:t>
+              <a:t>6/3/2021</a:t>
             </a:fld>
             <a:endParaRPr lang="da-DK"/>
           </a:p>
@@ -2077,7 +2077,7 @@
           <a:p>
             <a:fld id="{B43F2930-3FFD-4F93-A4BD-4F0D1A0B4514}" type="datetime1">
               <a:rPr lang="en-US" smtClean="0"/>
-              <a:t>5/24/2021</a:t>
+              <a:t>6/3/2021</a:t>
             </a:fld>
             <a:endParaRPr lang="da-DK"/>
           </a:p>
@@ -2495,7 +2495,7 @@
           <a:p>
             <a:fld id="{8E0F9B9B-30CC-4693-8E0F-1A94A979E2C5}" type="datetime1">
               <a:rPr lang="en-US" smtClean="0"/>
-              <a:t>5/24/2021</a:t>
+              <a:t>6/3/2021</a:t>
             </a:fld>
             <a:endParaRPr lang="da-DK"/>
           </a:p>
@@ -2640,7 +2640,7 @@
           <a:p>
             <a:fld id="{6FE1433B-E6A7-44FF-8B55-539471B4D7C5}" type="datetime1">
               <a:rPr lang="en-US" smtClean="0"/>
-              <a:t>5/24/2021</a:t>
+              <a:t>6/3/2021</a:t>
             </a:fld>
             <a:endParaRPr lang="da-DK"/>
           </a:p>
@@ -2756,7 +2756,7 @@
           <a:p>
             <a:fld id="{624F4001-6A8C-42DA-824F-B5CC1375B861}" type="datetime1">
               <a:rPr lang="en-US" smtClean="0"/>
-              <a:t>5/24/2021</a:t>
+              <a:t>6/3/2021</a:t>
             </a:fld>
             <a:endParaRPr lang="da-DK"/>
           </a:p>
@@ -3072,7 +3072,7 @@
           <a:p>
             <a:fld id="{2D3BE137-2C5E-4078-8BA2-7D42D7E67218}" type="datetime1">
               <a:rPr lang="en-US" smtClean="0"/>
-              <a:t>5/24/2021</a:t>
+              <a:t>6/3/2021</a:t>
             </a:fld>
             <a:endParaRPr lang="da-DK"/>
           </a:p>
@@ -3364,7 +3364,7 @@
           <a:p>
             <a:fld id="{0D1436FF-56D3-4E93-92E8-71121EAB120E}" type="datetime1">
               <a:rPr lang="en-US" smtClean="0"/>
-              <a:t>5/24/2021</a:t>
+              <a:t>6/3/2021</a:t>
             </a:fld>
             <a:endParaRPr lang="da-DK"/>
           </a:p>
@@ -3610,7 +3610,7 @@
           <a:p>
             <a:fld id="{16601EF2-4BCA-4009-ACCF-B97F259DEF6F}" type="datetime1">
               <a:rPr lang="en-US" smtClean="0"/>
-              <a:t>5/24/2021</a:t>
+              <a:t>6/3/2021</a:t>
             </a:fld>
             <a:endParaRPr lang="da-DK"/>
           </a:p>
@@ -4096,7 +4096,7 @@
           <a:p>
             <a:r>
               <a:rPr lang="da-DK" dirty="0"/>
-              <a:t>02457 Machine Learning Operations</a:t>
+              <a:t>Machine Learning Operations</a:t>
             </a:r>
           </a:p>
           <a:p>
@@ -4285,7 +4285,7 @@
           <a:p>
             <a:fld id="{019E29B9-5584-4737-9C98-1B926378C778}" type="datetime1">
               <a:rPr lang="en-US" smtClean="0"/>
-              <a:t>5/24/2021</a:t>
+              <a:t>6/3/2021</a:t>
             </a:fld>
             <a:endParaRPr lang="da-DK"/>
           </a:p>
@@ -4552,7 +4552,7 @@
           <a:p>
             <a:fld id="{019E29B9-5584-4737-9C98-1B926378C778}" type="datetime1">
               <a:rPr lang="en-US" smtClean="0"/>
-              <a:t>5/24/2021</a:t>
+              <a:t>6/3/2021</a:t>
             </a:fld>
             <a:endParaRPr lang="da-DK"/>
           </a:p>
@@ -4966,7 +4966,7 @@
           <a:p>
             <a:fld id="{019E29B9-5584-4737-9C98-1B926378C778}" type="datetime1">
               <a:rPr lang="en-US" smtClean="0"/>
-              <a:t>5/24/2021</a:t>
+              <a:t>6/3/2021</a:t>
             </a:fld>
             <a:endParaRPr lang="da-DK"/>
           </a:p>
@@ -5191,7 +5191,7 @@
           <a:p>
             <a:fld id="{019E29B9-5584-4737-9C98-1B926378C778}" type="datetime1">
               <a:rPr lang="en-US" smtClean="0"/>
-              <a:t>5/24/2021</a:t>
+              <a:t>6/3/2021</a:t>
             </a:fld>
             <a:endParaRPr lang="da-DK" dirty="0"/>
           </a:p>
@@ -5434,7 +5434,7 @@
           <a:p>
             <a:fld id="{019E29B9-5584-4737-9C98-1B926378C778}" type="datetime1">
               <a:rPr lang="en-US" smtClean="0"/>
-              <a:t>5/24/2021</a:t>
+              <a:t>6/3/2021</a:t>
             </a:fld>
             <a:endParaRPr lang="da-DK"/>
           </a:p>
@@ -5603,7 +5603,7 @@
           <a:p>
             <a:fld id="{019E29B9-5584-4737-9C98-1B926378C778}" type="datetime1">
               <a:rPr lang="en-US" smtClean="0"/>
-              <a:t>5/24/2021</a:t>
+              <a:t>6/3/2021</a:t>
             </a:fld>
             <a:endParaRPr lang="da-DK"/>
           </a:p>
@@ -5894,7 +5894,7 @@
           <a:p>
             <a:fld id="{019E29B9-5584-4737-9C98-1B926378C778}" type="datetime1">
               <a:rPr lang="en-US" smtClean="0"/>
-              <a:t>5/24/2021</a:t>
+              <a:t>6/3/2021</a:t>
             </a:fld>
             <a:endParaRPr lang="da-DK"/>
           </a:p>
